--- a/Roguelike.pptx
+++ b/Roguelike.pptx
@@ -108,6 +108,11 @@
       </a:defRPr>
     </a:lvl9pPr>
   </p:defaultTextStyle>
+  <p:extLst>
+    <p:ext uri="{EFAFB233-063F-42B5-8137-9DF3F51BA10A}">
+      <p15:sldGuideLst xmlns:p15="http://schemas.microsoft.com/office/powerpoint/2012/main"/>
+    </p:ext>
+  </p:extLst>
 </p:presentation>
 </file>
 
@@ -537,6 +542,76 @@
           <a:bodyPr/>
           <a:lstStyle/>
           <a:p>
+            <a:r>
+              <a:rPr kumimoji="1" lang="ja-JP" altLang="en-US" dirty="0" smtClean="0"/>
+              <a:t>・シーン処理</a:t>
+            </a:r>
+            <a:r>
+              <a:rPr kumimoji="1" lang="en-US" altLang="ja-JP" dirty="0" smtClean="0"/>
+              <a:t>(Esc</a:t>
+            </a:r>
+            <a:r>
+              <a:rPr kumimoji="1" lang="ja-JP" altLang="en-US" dirty="0" err="1" smtClean="0"/>
+              <a:t>、</a:t>
+            </a:r>
+            <a:r>
+              <a:rPr kumimoji="1" lang="en-US" altLang="ja-JP" dirty="0" err="1" smtClean="0"/>
+              <a:t>GameOver</a:t>
+            </a:r>
+            <a:r>
+              <a:rPr kumimoji="1" lang="en-US" altLang="ja-JP" dirty="0" smtClean="0"/>
+              <a:t>)</a:t>
+            </a:r>
+          </a:p>
+          <a:p>
+            <a:r>
+              <a:rPr kumimoji="1" lang="ja-JP" altLang="en-US" dirty="0" smtClean="0"/>
+              <a:t>・</a:t>
+            </a:r>
+            <a:r>
+              <a:rPr kumimoji="1" lang="en-US" altLang="ja-JP" dirty="0" smtClean="0"/>
+              <a:t>Player(</a:t>
+            </a:r>
+            <a:r>
+              <a:rPr kumimoji="1" lang="ja-JP" altLang="en-US" dirty="0" smtClean="0"/>
+              <a:t>向き、攻撃</a:t>
+            </a:r>
+            <a:r>
+              <a:rPr kumimoji="1" lang="en-US" altLang="ja-JP" dirty="0" smtClean="0"/>
+              <a:t>)</a:t>
+            </a:r>
+          </a:p>
+          <a:p>
+            <a:r>
+              <a:rPr kumimoji="1" lang="ja-JP" altLang="en-US" dirty="0" smtClean="0"/>
+              <a:t>・</a:t>
+            </a:r>
+            <a:r>
+              <a:rPr kumimoji="1" lang="en-US" altLang="ja-JP" dirty="0" smtClean="0"/>
+              <a:t>map(</a:t>
+            </a:r>
+            <a:r>
+              <a:rPr kumimoji="1" lang="ja-JP" altLang="en-US" dirty="0" smtClean="0"/>
+              <a:t>音、画像</a:t>
+            </a:r>
+            <a:r>
+              <a:rPr kumimoji="1" lang="en-US" altLang="ja-JP" dirty="0" smtClean="0"/>
+              <a:t>)</a:t>
+            </a:r>
+          </a:p>
+          <a:p>
+            <a:r>
+              <a:rPr kumimoji="1" lang="ja-JP" altLang="en-US" dirty="0" smtClean="0"/>
+              <a:t>・</a:t>
+            </a:r>
+            <a:r>
+              <a:rPr kumimoji="1" lang="en-US" altLang="ja-JP" dirty="0" smtClean="0"/>
+              <a:t>enemy</a:t>
+            </a:r>
+            <a:r>
+              <a:rPr kumimoji="1" lang="ja-JP" altLang="en-US" dirty="0" smtClean="0"/>
+              <a:t>改造</a:t>
+            </a:r>
             <a:endParaRPr kumimoji="1" lang="ja-JP" altLang="en-US" dirty="0"/>
           </a:p>
         </p:txBody>
@@ -3823,54 +3898,65 @@
         </p:nvSpPr>
         <p:spPr/>
         <p:txBody>
-          <a:bodyPr/>
+          <a:bodyPr>
+            <a:normAutofit fontScale="92500" lnSpcReduction="10000"/>
+          </a:bodyPr>
           <a:lstStyle/>
           <a:p>
             <a:r>
               <a:rPr kumimoji="1" lang="ja-JP" altLang="en-US" dirty="0" smtClean="0"/>
-              <a:t>シーン作成</a:t>
-            </a:r>
+              <a:t>シーン</a:t>
+            </a:r>
+            <a:r>
+              <a:rPr kumimoji="1" lang="ja-JP" altLang="en-US" dirty="0" smtClean="0"/>
+              <a:t>作成</a:t>
+            </a:r>
+            <a:endParaRPr kumimoji="1" lang="en-US" altLang="ja-JP" dirty="0" smtClean="0"/>
+          </a:p>
+          <a:p>
+            <a:pPr lvl="1"/>
+            <a:r>
+              <a:rPr kumimoji="1" lang="ja-JP" altLang="en-US" dirty="0" smtClean="0"/>
+              <a:t>終了処理</a:t>
+            </a:r>
+            <a:endParaRPr kumimoji="1" lang="en-US" altLang="ja-JP" dirty="0" smtClean="0"/>
+          </a:p>
+          <a:p>
+            <a:pPr lvl="1"/>
+            <a:r>
+              <a:rPr kumimoji="1" lang="en-US" altLang="ja-JP" dirty="0" err="1" smtClean="0"/>
+              <a:t>GameOver</a:t>
+            </a:r>
+            <a:r>
+              <a:rPr kumimoji="1" lang="ja-JP" altLang="en-US" dirty="0" smtClean="0"/>
+              <a:t>から次へ進めるようにする</a:t>
+            </a:r>
+            <a:endParaRPr kumimoji="1" lang="en-US" altLang="ja-JP" dirty="0" smtClean="0"/>
+          </a:p>
+          <a:p>
+            <a:pPr lvl="2"/>
             <a:r>
               <a:rPr kumimoji="1" lang="en-US" altLang="ja-JP" dirty="0" smtClean="0"/>
-              <a:t>(</a:t>
+              <a:t>title</a:t>
             </a:r>
             <a:r>
               <a:rPr kumimoji="1" lang="ja-JP" altLang="en-US" dirty="0" smtClean="0"/>
-              <a:t>クリア条件も設ける</a:t>
+              <a:t>か</a:t>
             </a:r>
             <a:r>
               <a:rPr kumimoji="1" lang="en-US" altLang="ja-JP" dirty="0" smtClean="0"/>
-              <a:t>)</a:t>
-            </a:r>
-          </a:p>
-          <a:p>
+              <a:t>Day1</a:t>
+            </a:r>
             <a:r>
               <a:rPr kumimoji="1" lang="ja-JP" altLang="en-US" dirty="0" smtClean="0"/>
-              <a:t>素材変更</a:t>
+              <a:t>を選ぶ</a:t>
             </a:r>
             <a:endParaRPr kumimoji="1" lang="en-US" altLang="ja-JP" dirty="0" smtClean="0"/>
           </a:p>
           <a:p>
-            <a:pPr lvl="1"/>
             <a:r>
               <a:rPr kumimoji="1" lang="ja-JP" altLang="en-US" dirty="0" smtClean="0"/>
-              <a:t>プレイヤーに向きを付ける</a:t>
-            </a:r>
-            <a:endParaRPr kumimoji="1" lang="en-US" altLang="ja-JP" dirty="0" smtClean="0"/>
-          </a:p>
-          <a:p>
-            <a:pPr lvl="1"/>
-            <a:r>
-              <a:rPr kumimoji="1" lang="ja-JP" altLang="en-US" dirty="0" smtClean="0"/>
-              <a:t>音、画像</a:t>
-            </a:r>
-            <a:endParaRPr kumimoji="1" lang="en-US" altLang="ja-JP" dirty="0" smtClean="0"/>
-          </a:p>
-          <a:p>
-            <a:pPr lvl="1"/>
-            <a:r>
-              <a:rPr kumimoji="1" lang="en-US" altLang="ja-JP" dirty="0" smtClean="0"/>
-              <a:t>Map</a:t>
+              <a:t>素材</a:t>
             </a:r>
             <a:r>
               <a:rPr kumimoji="1" lang="ja-JP" altLang="en-US" dirty="0" smtClean="0"/>
@@ -3879,9 +3965,14 @@
             <a:endParaRPr kumimoji="1" lang="en-US" altLang="ja-JP" dirty="0" smtClean="0"/>
           </a:p>
           <a:p>
+            <a:pPr lvl="1"/>
             <a:r>
               <a:rPr kumimoji="1" lang="ja-JP" altLang="en-US" dirty="0" smtClean="0"/>
-              <a:t>ルール変更</a:t>
+              <a:t>プレイヤーに向きを</a:t>
+            </a:r>
+            <a:r>
+              <a:rPr kumimoji="1" lang="ja-JP" altLang="en-US" dirty="0" smtClean="0"/>
+              <a:t>付ける</a:t>
             </a:r>
             <a:endParaRPr kumimoji="1" lang="en-US" altLang="ja-JP" dirty="0" smtClean="0"/>
           </a:p>
@@ -3889,106 +3980,72 @@
             <a:pPr lvl="1"/>
             <a:r>
               <a:rPr kumimoji="1" lang="ja-JP" altLang="en-US" dirty="0" smtClean="0"/>
-              <a:t>敵に対しても攻撃できる</a:t>
-            </a:r>
+              <a:t>音</a:t>
+            </a:r>
+            <a:r>
+              <a:rPr kumimoji="1" lang="ja-JP" altLang="en-US" dirty="0" smtClean="0"/>
+              <a:t>、</a:t>
+            </a:r>
+            <a:r>
+              <a:rPr kumimoji="1" lang="ja-JP" altLang="en-US" dirty="0" smtClean="0"/>
+              <a:t>画像</a:t>
+            </a:r>
+            <a:endParaRPr kumimoji="1" lang="en-US" altLang="ja-JP" dirty="0" smtClean="0"/>
+          </a:p>
+          <a:p>
+            <a:r>
+              <a:rPr kumimoji="1" lang="ja-JP" altLang="en-US" dirty="0" smtClean="0"/>
+              <a:t>ルール</a:t>
+            </a:r>
+            <a:r>
+              <a:rPr kumimoji="1" lang="ja-JP" altLang="en-US" dirty="0" smtClean="0"/>
+              <a:t>変更</a:t>
+            </a:r>
+            <a:endParaRPr kumimoji="1" lang="en-US" altLang="ja-JP" dirty="0" smtClean="0"/>
+          </a:p>
+          <a:p>
+            <a:pPr lvl="1"/>
             <a:r>
               <a:rPr kumimoji="1" lang="en-US" altLang="ja-JP" dirty="0" smtClean="0"/>
-              <a:t>(</a:t>
-            </a:r>
-            <a:r>
-              <a:rPr kumimoji="1" lang="ja-JP" altLang="ja-JP" sz="2400" kern="1200" dirty="0" smtClean="0">
-                <a:solidFill>
-                  <a:schemeClr val="tx1"/>
-                </a:solidFill>
-                <a:effectLst/>
-                <a:latin typeface="+mn-lt"/>
-                <a:ea typeface="+mn-ea"/>
-                <a:cs typeface="+mn-cs"/>
-              </a:rPr>
-              <a:t>でも強いので基本は避けて進む</a:t>
-            </a:r>
-            <a:r>
-              <a:rPr kumimoji="1" lang="en-US" altLang="ja-JP" sz="2400" kern="1200" dirty="0" smtClean="0">
-                <a:solidFill>
-                  <a:schemeClr val="tx1"/>
-                </a:solidFill>
-                <a:effectLst/>
-                <a:latin typeface="+mn-lt"/>
-                <a:ea typeface="+mn-ea"/>
-                <a:cs typeface="+mn-cs"/>
-              </a:rPr>
-              <a:t>)</a:t>
-            </a:r>
-          </a:p>
-          <a:p>
-            <a:pPr marL="685800" marR="0" lvl="1" indent="-228600" algn="l" defTabSz="914400" rtl="0" eaLnBrk="1" fontAlgn="auto" latinLnBrk="0" hangingPunct="1">
-              <a:lnSpc>
-                <a:spcPct val="90000"/>
-              </a:lnSpc>
-              <a:spcBef>
-                <a:spcPts val="500"/>
-              </a:spcBef>
-              <a:spcAft>
-                <a:spcPts val="0"/>
-              </a:spcAft>
-              <a:buClrTx/>
-              <a:buSzTx/>
-              <a:buFont typeface="Arial" panose="020B0604020202020204" pitchFamily="34" charset="0"/>
-              <a:buChar char="•"/>
-              <a:tabLst/>
-              <a:defRPr/>
+              <a:t>player</a:t>
+            </a:r>
+            <a:endParaRPr kumimoji="1" lang="en-US" altLang="ja-JP" dirty="0" smtClean="0"/>
+          </a:p>
+          <a:p>
+            <a:pPr lvl="2"/>
+            <a:r>
+              <a:rPr kumimoji="1" lang="ja-JP" altLang="en-US" dirty="0" smtClean="0"/>
+              <a:t>敵に対しても攻撃</a:t>
+            </a:r>
+            <a:r>
+              <a:rPr kumimoji="1" lang="ja-JP" altLang="en-US" dirty="0" smtClean="0"/>
+              <a:t>できる</a:t>
+            </a:r>
+            <a:endParaRPr kumimoji="1" lang="en-US" altLang="ja-JP" sz="2000" kern="1200" dirty="0" smtClean="0">
+              <a:solidFill>
+                <a:schemeClr val="tx1"/>
+              </a:solidFill>
+              <a:effectLst/>
+              <a:latin typeface="+mn-lt"/>
+              <a:ea typeface="+mn-ea"/>
+              <a:cs typeface="+mn-cs"/>
+            </a:endParaRPr>
+          </a:p>
+          <a:p>
+            <a:pPr lvl="1"/>
+            <a:r>
+              <a:rPr kumimoji="1" lang="en-US" altLang="ja-JP" dirty="0" smtClean="0"/>
+              <a:t>Enemy</a:t>
+            </a:r>
+          </a:p>
+          <a:p>
+            <a:pPr marL="914400" lvl="2" indent="0">
+              <a:buNone/>
             </a:pPr>
             <a:r>
-              <a:rPr kumimoji="1" lang="ja-JP" altLang="ja-JP" sz="2400" kern="1200" dirty="0" smtClean="0">
-                <a:solidFill>
-                  <a:schemeClr val="tx1"/>
-                </a:solidFill>
-                <a:effectLst/>
-                <a:latin typeface="+mn-lt"/>
-                <a:ea typeface="+mn-ea"/>
-                <a:cs typeface="+mn-cs"/>
-              </a:rPr>
-              <a:t>自分が動くと敵も動く</a:t>
-            </a:r>
-            <a:r>
-              <a:rPr kumimoji="1" lang="en-US" altLang="ja-JP" sz="2400" kern="1200" dirty="0" smtClean="0">
-                <a:solidFill>
-                  <a:schemeClr val="tx1"/>
-                </a:solidFill>
-                <a:effectLst/>
-                <a:latin typeface="+mn-lt"/>
-                <a:ea typeface="+mn-ea"/>
-                <a:cs typeface="+mn-cs"/>
-              </a:rPr>
-              <a:t>(</a:t>
-            </a:r>
-            <a:r>
-              <a:rPr kumimoji="1" lang="ja-JP" altLang="ja-JP" sz="2400" kern="1200" dirty="0" smtClean="0">
-                <a:solidFill>
-                  <a:schemeClr val="tx1"/>
-                </a:solidFill>
-                <a:effectLst/>
-                <a:latin typeface="+mn-lt"/>
-                <a:ea typeface="+mn-ea"/>
-                <a:cs typeface="+mn-cs"/>
-              </a:rPr>
-              <a:t>連動</a:t>
-            </a:r>
-            <a:r>
-              <a:rPr kumimoji="1" lang="en-US" altLang="ja-JP" sz="2400" kern="1200" dirty="0" smtClean="0">
-                <a:solidFill>
-                  <a:schemeClr val="tx1"/>
-                </a:solidFill>
-                <a:effectLst/>
-                <a:latin typeface="+mn-lt"/>
-                <a:ea typeface="+mn-ea"/>
-                <a:cs typeface="+mn-cs"/>
-              </a:rPr>
-              <a:t>)</a:t>
-            </a:r>
-          </a:p>
-          <a:p>
-            <a:pPr lvl="1"/>
+              <a:rPr kumimoji="1" lang="ja-JP" altLang="en-US" dirty="0" smtClean="0"/>
+              <a:t>改造</a:t>
+            </a:r>
             <a:endParaRPr kumimoji="1" lang="en-US" altLang="ja-JP" dirty="0" smtClean="0"/>
           </a:p>
           <a:p>
